--- a/Physics 226 Final Project Presentation.pptx
+++ b/Physics 226 Final Project Presentation.pptx
@@ -122,8 +122,93 @@
   <p1510:revLst>
     <p1510:client id="{1DC5391F-5975-43A8-B8CE-5B8AB3D63969}" v="1407" vWet="1521" dt="2018-12-12T07:10:30.342"/>
     <p1510:client id="{45E471B4-323D-4CBA-AB8F-31B15EA9C87F}" v="702" dt="2018-12-12T07:10:39.380"/>
+    <p1510:client id="{D84B7AAA-F41F-4B0F-85BA-D427D2A3EECC}" v="3" dt="2018-12-12T16:38:31.703"/>
   </p1510:revLst>
 </p1510:revInfo>
+</file>
+
+<file path=ppt/changesInfos/changesInfo1.xml><?xml version="1.0" encoding="utf-8"?>
+<pc:chgInfo xmlns:a="http://schemas.openxmlformats.org/drawingml/2006/main" xmlns:r="http://schemas.openxmlformats.org/officeDocument/2006/relationships" xmlns:ac="http://schemas.microsoft.com/office/drawing/2013/main/command" xmlns:pc="http://schemas.microsoft.com/office/powerpoint/2013/main/command">
+  <pc:docChgLst>
+    <pc:chgData name="Vivswan Shah" userId="cc5f170c-569d-4576-87dd-dea57dff1f30" providerId="ADAL" clId="{D84B7AAA-F41F-4B0F-85BA-D427D2A3EECC}"/>
+    <pc:docChg chg="undo custSel mod modSld">
+      <pc:chgData name="Vivswan Shah" userId="cc5f170c-569d-4576-87dd-dea57dff1f30" providerId="ADAL" clId="{D84B7AAA-F41F-4B0F-85BA-D427D2A3EECC}" dt="2018-12-12T16:39:06.643" v="16" actId="1076"/>
+      <pc:docMkLst>
+        <pc:docMk/>
+      </pc:docMkLst>
+      <pc:sldChg chg="addSp delSp modSp mod setBg">
+        <pc:chgData name="Vivswan Shah" userId="cc5f170c-569d-4576-87dd-dea57dff1f30" providerId="ADAL" clId="{D84B7AAA-F41F-4B0F-85BA-D427D2A3EECC}" dt="2018-12-12T16:38:46.778" v="11" actId="14100"/>
+        <pc:sldMkLst>
+          <pc:docMk/>
+          <pc:sldMk cId="1900400595" sldId="259"/>
+        </pc:sldMkLst>
+        <pc:spChg chg="mod">
+          <ac:chgData name="Vivswan Shah" userId="cc5f170c-569d-4576-87dd-dea57dff1f30" providerId="ADAL" clId="{D84B7AAA-F41F-4B0F-85BA-D427D2A3EECC}" dt="2018-12-12T16:38:07.242" v="4" actId="26606"/>
+          <ac:spMkLst>
+            <pc:docMk/>
+            <pc:sldMk cId="1900400595" sldId="259"/>
+            <ac:spMk id="2" creationId="{CC343204-240F-4790-8152-353D6BF3F414}"/>
+          </ac:spMkLst>
+        </pc:spChg>
+        <pc:spChg chg="mod">
+          <ac:chgData name="Vivswan Shah" userId="cc5f170c-569d-4576-87dd-dea57dff1f30" providerId="ADAL" clId="{D84B7AAA-F41F-4B0F-85BA-D427D2A3EECC}" dt="2018-12-12T16:38:07.242" v="4" actId="26606"/>
+          <ac:spMkLst>
+            <pc:docMk/>
+            <pc:sldMk cId="1900400595" sldId="259"/>
+            <ac:spMk id="3" creationId="{BE06CC90-1804-443F-A40B-5E760FBCE9BF}"/>
+          </ac:spMkLst>
+        </pc:spChg>
+        <pc:spChg chg="add del">
+          <ac:chgData name="Vivswan Shah" userId="cc5f170c-569d-4576-87dd-dea57dff1f30" providerId="ADAL" clId="{D84B7AAA-F41F-4B0F-85BA-D427D2A3EECC}" dt="2018-12-12T16:38:07.242" v="4" actId="26606"/>
+          <ac:spMkLst>
+            <pc:docMk/>
+            <pc:sldMk cId="1900400595" sldId="259"/>
+            <ac:spMk id="71" creationId="{61DCA37C-CB0B-475A-B462-77C9CBA37CBE}"/>
+          </ac:spMkLst>
+        </pc:spChg>
+        <pc:picChg chg="del mod">
+          <ac:chgData name="Vivswan Shah" userId="cc5f170c-569d-4576-87dd-dea57dff1f30" providerId="ADAL" clId="{D84B7AAA-F41F-4B0F-85BA-D427D2A3EECC}" dt="2018-12-12T16:38:29.904" v="7"/>
+          <ac:picMkLst>
+            <pc:docMk/>
+            <pc:sldMk cId="1900400595" sldId="259"/>
+            <ac:picMk id="17" creationId="{17A58791-34D0-42E4-A486-BD603A50ED86}"/>
+          </ac:picMkLst>
+        </pc:picChg>
+        <pc:picChg chg="add mod">
+          <ac:chgData name="Vivswan Shah" userId="cc5f170c-569d-4576-87dd-dea57dff1f30" providerId="ADAL" clId="{D84B7AAA-F41F-4B0F-85BA-D427D2A3EECC}" dt="2018-12-12T16:38:46.778" v="11" actId="14100"/>
+          <ac:picMkLst>
+            <pc:docMk/>
+            <pc:sldMk cId="1900400595" sldId="259"/>
+            <ac:picMk id="1026" creationId="{793BEAF4-38C4-4129-869E-E9465F677F8B}"/>
+          </ac:picMkLst>
+        </pc:picChg>
+      </pc:sldChg>
+      <pc:sldChg chg="addSp delSp modSp">
+        <pc:chgData name="Vivswan Shah" userId="cc5f170c-569d-4576-87dd-dea57dff1f30" providerId="ADAL" clId="{D84B7AAA-F41F-4B0F-85BA-D427D2A3EECC}" dt="2018-12-12T16:39:06.643" v="16" actId="1076"/>
+        <pc:sldMkLst>
+          <pc:docMk/>
+          <pc:sldMk cId="2120900576" sldId="261"/>
+        </pc:sldMkLst>
+        <pc:spChg chg="del">
+          <ac:chgData name="Vivswan Shah" userId="cc5f170c-569d-4576-87dd-dea57dff1f30" providerId="ADAL" clId="{D84B7AAA-F41F-4B0F-85BA-D427D2A3EECC}" dt="2018-12-12T16:27:46.923" v="0" actId="478"/>
+          <ac:spMkLst>
+            <pc:docMk/>
+            <pc:sldMk cId="2120900576" sldId="261"/>
+            <ac:spMk id="3" creationId="{B79FF2B1-9E98-4045-9AC3-3013BD4661D7}"/>
+          </ac:spMkLst>
+        </pc:spChg>
+        <pc:picChg chg="add mod">
+          <ac:chgData name="Vivswan Shah" userId="cc5f170c-569d-4576-87dd-dea57dff1f30" providerId="ADAL" clId="{D84B7AAA-F41F-4B0F-85BA-D427D2A3EECC}" dt="2018-12-12T16:39:06.643" v="16" actId="1076"/>
+          <ac:picMkLst>
+            <pc:docMk/>
+            <pc:sldMk cId="2120900576" sldId="261"/>
+            <ac:picMk id="4" creationId="{86A7CF75-36A0-4748-9C67-8F222934A973}"/>
+          </ac:picMkLst>
+        </pc:picChg>
+      </pc:sldChg>
+    </pc:docChg>
+  </pc:docChgLst>
+</pc:chgInfo>
 </file>
 
 <file path=ppt/slideLayouts/slideLayout1.xml><?xml version="1.0" encoding="utf-8"?>
@@ -7245,15 +7330,15 @@
             <a:lstStyle/>
             <a:p>
               <a:r>
-                <a:rPr lang="en-US" sz="800"/>
+                <a:rPr lang="en-US" sz="800" dirty="0"/>
                 <a:t>Ref: White, T. H. (2005). </a:t>
               </a:r>
               <a:r>
-                <a:rPr lang="en-US" sz="800" i="1"/>
+                <a:rPr lang="en-US" sz="800" i="1" dirty="0"/>
                 <a:t>Cyclopedia of Applied Electricity</a:t>
               </a:r>
               <a:r>
-                <a:rPr lang="en-US" sz="800"/>
+                <a:rPr lang="en-US" sz="800" dirty="0"/>
                 <a:t> (1911 ed., Vol. 6). American School of Correspondence. Retrieved December 11, 2018</a:t>
               </a:r>
             </a:p>
@@ -7712,7 +7797,7 @@
               </a:buClr>
             </a:pPr>
             <a:r>
-              <a:rPr lang="en-US" sz="1600"/>
+              <a:rPr lang="en-US" sz="1600" dirty="0"/>
               <a:t>Arduino UNO</a:t>
             </a:r>
           </a:p>
@@ -7723,7 +7808,7 @@
               </a:buClr>
             </a:pPr>
             <a:r>
-              <a:rPr lang="en-US" sz="1600"/>
+              <a:rPr lang="en-US" sz="1600" dirty="0"/>
               <a:t>Breadboard</a:t>
             </a:r>
           </a:p>
@@ -7734,7 +7819,7 @@
               </a:buClr>
             </a:pPr>
             <a:r>
-              <a:rPr lang="en-US" sz="1600"/>
+              <a:rPr lang="en-US" sz="1600" dirty="0"/>
               <a:t>Breadboard-compatible components:</a:t>
             </a:r>
           </a:p>
@@ -7745,7 +7830,7 @@
               </a:buClr>
             </a:pPr>
             <a:r>
-              <a:rPr lang="en-US" sz="1600"/>
+              <a:rPr lang="en-US" sz="1600" dirty="0"/>
               <a:t>1x	   16x2 LCD Display Module	</a:t>
             </a:r>
           </a:p>
@@ -7756,7 +7841,7 @@
               </a:buClr>
             </a:pPr>
             <a:r>
-              <a:rPr lang="en-US" sz="1600"/>
+              <a:rPr lang="en-US" sz="1600" dirty="0"/>
               <a:t>1x	   HC-12 Wireless Module 1000m 	</a:t>
             </a:r>
           </a:p>
@@ -7767,7 +7852,7 @@
               </a:buClr>
             </a:pPr>
             <a:r>
-              <a:rPr lang="en-US" sz="1600"/>
+              <a:rPr lang="en-US" sz="1600" dirty="0"/>
               <a:t>1x	   HC-12 Compatible Antenna			  </a:t>
             </a:r>
           </a:p>
@@ -7778,7 +7863,7 @@
               </a:buClr>
             </a:pPr>
             <a:r>
-              <a:rPr lang="en-US" sz="1600"/>
+              <a:rPr lang="en-US" sz="1600" dirty="0"/>
               <a:t>1x	   Buzzer</a:t>
             </a:r>
           </a:p>
@@ -7789,7 +7874,7 @@
               </a:buClr>
             </a:pPr>
             <a:r>
-              <a:rPr lang="en-US" sz="1600"/>
+              <a:rPr lang="en-US" sz="1600" dirty="0"/>
               <a:t>1x	   LED Light					</a:t>
             </a:r>
           </a:p>
@@ -7800,7 +7885,7 @@
               </a:buClr>
             </a:pPr>
             <a:r>
-              <a:rPr lang="en-US" sz="1600"/>
+              <a:rPr lang="en-US" sz="1600" dirty="0"/>
               <a:t>3x	   Tactile Switches</a:t>
             </a:r>
           </a:p>
@@ -7811,7 +7896,7 @@
               </a:buClr>
             </a:pPr>
             <a:r>
-              <a:rPr lang="en-US" sz="1600"/>
+              <a:rPr lang="en-US" sz="1600" dirty="0"/>
               <a:t>2x   	   220-ohm Resistors				   </a:t>
             </a:r>
           </a:p>
@@ -7822,7 +7907,7 @@
               </a:buClr>
             </a:pPr>
             <a:r>
-              <a:rPr lang="en-US" sz="1600"/>
+              <a:rPr lang="en-US" sz="1600" dirty="0"/>
               <a:t>3x	   10k-ohm resistors				</a:t>
             </a:r>
           </a:p>
@@ -7833,7 +7918,7 @@
               </a:buClr>
             </a:pPr>
             <a:r>
-              <a:rPr lang="en-US" sz="1600"/>
+              <a:rPr lang="en-US" sz="1600" dirty="0"/>
               <a:t>43x    	   Male/Male Jumper Wires</a:t>
             </a:r>
           </a:p>
@@ -7841,46 +7926,47 @@
       </p:sp>
       <p:pic>
         <p:nvPicPr>
-          <p:cNvPr id="17" name="Picture 16">
+          <p:cNvPr id="1026" name="Picture 2" descr="https://raw.githubusercontent.com/Vivswan/MorseCodeRS/master/Morse_Code/schematics.png">
             <a:extLst>
               <a:ext uri="{FF2B5EF4-FFF2-40B4-BE49-F238E27FC236}">
-                <a16:creationId xmlns:a16="http://schemas.microsoft.com/office/drawing/2014/main" id="{17A58791-34D0-42E4-A486-BD603A50ED86}"/>
+                <a16:creationId xmlns:a16="http://schemas.microsoft.com/office/drawing/2014/main" id="{793BEAF4-38C4-4129-869E-E9465F677F8B}"/>
               </a:ext>
             </a:extLst>
           </p:cNvPr>
-          <p:cNvPicPr/>
+          <p:cNvPicPr>
+            <a:picLocks noChangeAspect="1" noChangeArrowheads="1"/>
+          </p:cNvPicPr>
           <p:nvPr/>
         </p:nvPicPr>
-        <p:blipFill rotWithShape="1">
-          <a:blip r:embed="rId2" cstate="print">
+        <p:blipFill>
+          <a:blip r:embed="rId2">
             <a:extLst>
               <a:ext uri="{28A0092B-C50C-407E-A947-70E740481C1C}">
                 <a14:useLocalDpi xmlns:a14="http://schemas.microsoft.com/office/drawing/2010/main" val="0"/>
               </a:ext>
             </a:extLst>
           </a:blip>
-          <a:srcRect b="4671"/>
-          <a:stretch/>
+          <a:srcRect/>
+          <a:stretch>
+            <a:fillRect/>
+          </a:stretch>
         </p:blipFill>
         <p:spPr bwMode="auto">
           <a:xfrm>
-            <a:off x="6791325" y="1951789"/>
-            <a:ext cx="4038710" cy="4122822"/>
+            <a:off x="6075852" y="1808748"/>
+            <a:ext cx="5573333" cy="4474410"/>
           </a:xfrm>
           <a:prstGeom prst="rect">
             <a:avLst/>
           </a:prstGeom>
           <a:noFill/>
-          <a:ln w="28575">
-            <a:solidFill>
-              <a:schemeClr val="tx1">
-                <a:lumMod val="50000"/>
-              </a:schemeClr>
-            </a:solidFill>
-          </a:ln>
           <a:extLst>
-            <a:ext uri="{53640926-AAD7-44D8-BBD7-CCE9431645EC}">
-              <a14:shadowObscured xmlns:a14="http://schemas.microsoft.com/office/drawing/2010/main"/>
+            <a:ext uri="{909E8E84-426E-40DD-AFC4-6F175D3DCCD1}">
+              <a14:hiddenFill xmlns:a14="http://schemas.microsoft.com/office/drawing/2010/main">
+                <a:solidFill>
+                  <a:srgbClr val="FFFFFF"/>
+                </a:solidFill>
+              </a14:hiddenFill>
             </a:ext>
           </a:extLst>
         </p:spPr>
@@ -7950,33 +8036,52 @@
           </a:p>
         </p:txBody>
       </p:sp>
-      <p:sp>
-        <p:nvSpPr>
-          <p:cNvPr id="3" name="Text Placeholder 2">
+      <p:pic>
+        <p:nvPicPr>
+          <p:cNvPr id="4" name="Picture 3">
             <a:extLst>
               <a:ext uri="{FF2B5EF4-FFF2-40B4-BE49-F238E27FC236}">
-                <a16:creationId xmlns:a16="http://schemas.microsoft.com/office/drawing/2014/main" id="{B79FF2B1-9E98-4045-9AC3-3013BD4661D7}"/>
+                <a16:creationId xmlns:a16="http://schemas.microsoft.com/office/drawing/2014/main" id="{86A7CF75-36A0-4748-9C67-8F222934A973}"/>
               </a:ext>
             </a:extLst>
           </p:cNvPr>
-          <p:cNvSpPr>
-            <a:spLocks noGrp="1"/>
-          </p:cNvSpPr>
-          <p:nvPr>
-            <p:ph type="body" idx="1"/>
-          </p:nvPr>
-        </p:nvSpPr>
-        <p:spPr/>
-        <p:txBody>
-          <a:bodyPr>
-            <a:normAutofit/>
-          </a:bodyPr>
-          <a:lstStyle/>
-          <a:p>
-            <a:endParaRPr lang="en-US" sz="4400"/>
-          </a:p>
-        </p:txBody>
-      </p:sp>
+          <p:cNvPicPr/>
+          <p:nvPr/>
+        </p:nvPicPr>
+        <p:blipFill rotWithShape="1">
+          <a:blip r:embed="rId2" cstate="print">
+            <a:extLst>
+              <a:ext uri="{28A0092B-C50C-407E-A947-70E740481C1C}">
+                <a14:useLocalDpi xmlns:a14="http://schemas.microsoft.com/office/drawing/2010/main" val="0"/>
+              </a:ext>
+            </a:extLst>
+          </a:blip>
+          <a:srcRect b="4671"/>
+          <a:stretch/>
+        </p:blipFill>
+        <p:spPr bwMode="auto">
+          <a:xfrm>
+            <a:off x="2572279" y="1010351"/>
+            <a:ext cx="4860587" cy="4837298"/>
+          </a:xfrm>
+          <a:prstGeom prst="rect">
+            <a:avLst/>
+          </a:prstGeom>
+          <a:noFill/>
+          <a:ln w="28575">
+            <a:solidFill>
+              <a:schemeClr val="tx1">
+                <a:lumMod val="50000"/>
+              </a:schemeClr>
+            </a:solidFill>
+          </a:ln>
+          <a:extLst>
+            <a:ext uri="{53640926-AAD7-44D8-BBD7-CCE9431645EC}">
+              <a14:shadowObscured xmlns:a14="http://schemas.microsoft.com/office/drawing/2010/main"/>
+            </a:ext>
+          </a:extLst>
+        </p:spPr>
+      </p:pic>
     </p:spTree>
     <p:extLst>
       <p:ext uri="{BB962C8B-B14F-4D97-AF65-F5344CB8AC3E}">
